--- a/architecture.pptx
+++ b/architecture.pptx
@@ -104,6 +104,11 @@
       </a:defRPr>
     </a:lvl9pPr>
   </p:defaultTextStyle>
+  <p:extLst>
+    <p:ext uri="{EFAFB233-063F-42B5-8137-9DF3F51BA10A}">
+      <p15:sldGuideLst xmlns:p15="http://schemas.microsoft.com/office/powerpoint/2012/main"/>
+    </p:ext>
+  </p:extLst>
 </p:presentation>
 </file>
 
@@ -256,7 +261,7 @@
           <a:p>
             <a:fld id="{CCF2E517-574B-40CE-97B2-7EF6E974D37B}" type="datetimeFigureOut">
               <a:rPr lang="pt-BR" smtClean="0"/>
-              <a:t>12/11/2022</a:t>
+              <a:t>19/07/2023</a:t>
             </a:fld>
             <a:endParaRPr lang="pt-BR"/>
           </a:p>
@@ -456,7 +461,7 @@
           <a:p>
             <a:fld id="{CCF2E517-574B-40CE-97B2-7EF6E974D37B}" type="datetimeFigureOut">
               <a:rPr lang="pt-BR" smtClean="0"/>
-              <a:t>12/11/2022</a:t>
+              <a:t>19/07/2023</a:t>
             </a:fld>
             <a:endParaRPr lang="pt-BR"/>
           </a:p>
@@ -666,7 +671,7 @@
           <a:p>
             <a:fld id="{CCF2E517-574B-40CE-97B2-7EF6E974D37B}" type="datetimeFigureOut">
               <a:rPr lang="pt-BR" smtClean="0"/>
-              <a:t>12/11/2022</a:t>
+              <a:t>19/07/2023</a:t>
             </a:fld>
             <a:endParaRPr lang="pt-BR"/>
           </a:p>
@@ -866,7 +871,7 @@
           <a:p>
             <a:fld id="{CCF2E517-574B-40CE-97B2-7EF6E974D37B}" type="datetimeFigureOut">
               <a:rPr lang="pt-BR" smtClean="0"/>
-              <a:t>12/11/2022</a:t>
+              <a:t>19/07/2023</a:t>
             </a:fld>
             <a:endParaRPr lang="pt-BR"/>
           </a:p>
@@ -1142,7 +1147,7 @@
           <a:p>
             <a:fld id="{CCF2E517-574B-40CE-97B2-7EF6E974D37B}" type="datetimeFigureOut">
               <a:rPr lang="pt-BR" smtClean="0"/>
-              <a:t>12/11/2022</a:t>
+              <a:t>19/07/2023</a:t>
             </a:fld>
             <a:endParaRPr lang="pt-BR"/>
           </a:p>
@@ -1410,7 +1415,7 @@
           <a:p>
             <a:fld id="{CCF2E517-574B-40CE-97B2-7EF6E974D37B}" type="datetimeFigureOut">
               <a:rPr lang="pt-BR" smtClean="0"/>
-              <a:t>12/11/2022</a:t>
+              <a:t>19/07/2023</a:t>
             </a:fld>
             <a:endParaRPr lang="pt-BR"/>
           </a:p>
@@ -1825,7 +1830,7 @@
           <a:p>
             <a:fld id="{CCF2E517-574B-40CE-97B2-7EF6E974D37B}" type="datetimeFigureOut">
               <a:rPr lang="pt-BR" smtClean="0"/>
-              <a:t>12/11/2022</a:t>
+              <a:t>19/07/2023</a:t>
             </a:fld>
             <a:endParaRPr lang="pt-BR"/>
           </a:p>
@@ -1967,7 +1972,7 @@
           <a:p>
             <a:fld id="{CCF2E517-574B-40CE-97B2-7EF6E974D37B}" type="datetimeFigureOut">
               <a:rPr lang="pt-BR" smtClean="0"/>
-              <a:t>12/11/2022</a:t>
+              <a:t>19/07/2023</a:t>
             </a:fld>
             <a:endParaRPr lang="pt-BR"/>
           </a:p>
@@ -2080,7 +2085,7 @@
           <a:p>
             <a:fld id="{CCF2E517-574B-40CE-97B2-7EF6E974D37B}" type="datetimeFigureOut">
               <a:rPr lang="pt-BR" smtClean="0"/>
-              <a:t>12/11/2022</a:t>
+              <a:t>19/07/2023</a:t>
             </a:fld>
             <a:endParaRPr lang="pt-BR"/>
           </a:p>
@@ -2393,7 +2398,7 @@
           <a:p>
             <a:fld id="{CCF2E517-574B-40CE-97B2-7EF6E974D37B}" type="datetimeFigureOut">
               <a:rPr lang="pt-BR" smtClean="0"/>
-              <a:t>12/11/2022</a:t>
+              <a:t>19/07/2023</a:t>
             </a:fld>
             <a:endParaRPr lang="pt-BR"/>
           </a:p>
@@ -2682,7 +2687,7 @@
           <a:p>
             <a:fld id="{CCF2E517-574B-40CE-97B2-7EF6E974D37B}" type="datetimeFigureOut">
               <a:rPr lang="pt-BR" smtClean="0"/>
-              <a:t>12/11/2022</a:t>
+              <a:t>19/07/2023</a:t>
             </a:fld>
             <a:endParaRPr lang="pt-BR"/>
           </a:p>
@@ -2925,7 +2930,7 @@
           <a:p>
             <a:fld id="{CCF2E517-574B-40CE-97B2-7EF6E974D37B}" type="datetimeFigureOut">
               <a:rPr lang="pt-BR" smtClean="0"/>
-              <a:t>12/11/2022</a:t>
+              <a:t>19/07/2023</a:t>
             </a:fld>
             <a:endParaRPr lang="pt-BR"/>
           </a:p>
@@ -3631,10 +3636,10 @@
       </p:pic>
       <p:pic>
         <p:nvPicPr>
-          <p:cNvPr id="11" name="Picture 16" descr="Metabase | Business Intelligence, Dashboards, and Data Visualization">
-            <a:extLst>
-              <a:ext uri="{FF2B5EF4-FFF2-40B4-BE49-F238E27FC236}">
-                <a16:creationId xmlns:a16="http://schemas.microsoft.com/office/drawing/2014/main" id="{E01039A7-2552-31C8-6656-F7F80803C138}"/>
+          <p:cNvPr id="12" name="Picture 22" descr="Press and Media Resources - Docker">
+            <a:extLst>
+              <a:ext uri="{FF2B5EF4-FFF2-40B4-BE49-F238E27FC236}">
+                <a16:creationId xmlns:a16="http://schemas.microsoft.com/office/drawing/2014/main" id="{E90F41CD-24A6-C472-3664-0B77C897F082}"/>
               </a:ext>
             </a:extLst>
           </p:cNvPr>
@@ -3658,53 +3663,7 @@
         </p:blipFill>
         <p:spPr bwMode="auto">
           <a:xfrm>
-            <a:off x="8392409" y="565194"/>
-            <a:ext cx="1263650" cy="1263650"/>
-          </a:xfrm>
-          <a:prstGeom prst="rect">
-            <a:avLst/>
-          </a:prstGeom>
-          <a:extLst>
-            <a:ext uri="{909E8E84-426E-40DD-AFC4-6F175D3DCCD1}">
-              <a14:hiddenFill xmlns:a14="http://schemas.microsoft.com/office/drawing/2010/main">
-                <a:solidFill>
-                  <a:srgbClr val="FFFFFF"/>
-                </a:solidFill>
-              </a14:hiddenFill>
-            </a:ext>
-          </a:extLst>
-        </p:spPr>
-      </p:pic>
-      <p:pic>
-        <p:nvPicPr>
-          <p:cNvPr id="12" name="Picture 22" descr="Press and Media Resources - Docker">
-            <a:extLst>
-              <a:ext uri="{FF2B5EF4-FFF2-40B4-BE49-F238E27FC236}">
-                <a16:creationId xmlns:a16="http://schemas.microsoft.com/office/drawing/2014/main" id="{E90F41CD-24A6-C472-3664-0B77C897F082}"/>
-              </a:ext>
-            </a:extLst>
-          </p:cNvPr>
-          <p:cNvPicPr>
-            <a:picLocks noChangeAspect="1" noChangeArrowheads="1"/>
-          </p:cNvPicPr>
-          <p:nvPr/>
-        </p:nvPicPr>
-        <p:blipFill>
-          <a:blip r:embed="rId9">
-            <a:extLst>
-              <a:ext uri="{28A0092B-C50C-407E-A947-70E740481C1C}">
-                <a14:useLocalDpi xmlns:a14="http://schemas.microsoft.com/office/drawing/2010/main" val="0"/>
-              </a:ext>
-            </a:extLst>
-          </a:blip>
-          <a:srcRect/>
-          <a:stretch>
-            <a:fillRect/>
-          </a:stretch>
-        </p:blipFill>
-        <p:spPr bwMode="auto">
-          <a:xfrm>
-            <a:off x="5289679" y="1511451"/>
+            <a:off x="8558018" y="4394761"/>
             <a:ext cx="553116" cy="396661"/>
           </a:xfrm>
           <a:prstGeom prst="rect">
@@ -3722,52 +3681,6 @@
           </a:extLst>
         </p:spPr>
       </p:pic>
-      <p:pic>
-        <p:nvPicPr>
-          <p:cNvPr id="13" name="Picture 16" descr="Metabase | Business Intelligence, Dashboards, and Data Visualization">
-            <a:extLst>
-              <a:ext uri="{FF2B5EF4-FFF2-40B4-BE49-F238E27FC236}">
-                <a16:creationId xmlns:a16="http://schemas.microsoft.com/office/drawing/2014/main" id="{C0C88A31-1B00-7431-0A1D-2370A704CBD3}"/>
-              </a:ext>
-            </a:extLst>
-          </p:cNvPr>
-          <p:cNvPicPr>
-            <a:picLocks noChangeAspect="1" noChangeArrowheads="1"/>
-          </p:cNvPicPr>
-          <p:nvPr/>
-        </p:nvPicPr>
-        <p:blipFill>
-          <a:blip r:embed="rId8">
-            <a:extLst>
-              <a:ext uri="{28A0092B-C50C-407E-A947-70E740481C1C}">
-                <a14:useLocalDpi xmlns:a14="http://schemas.microsoft.com/office/drawing/2010/main" val="0"/>
-              </a:ext>
-            </a:extLst>
-          </a:blip>
-          <a:srcRect/>
-          <a:stretch>
-            <a:fillRect/>
-          </a:stretch>
-        </p:blipFill>
-        <p:spPr bwMode="auto">
-          <a:xfrm>
-            <a:off x="8524833" y="4697534"/>
-            <a:ext cx="1263650" cy="1263650"/>
-          </a:xfrm>
-          <a:prstGeom prst="rect">
-            <a:avLst/>
-          </a:prstGeom>
-          <a:extLst>
-            <a:ext uri="{909E8E84-426E-40DD-AFC4-6F175D3DCCD1}">
-              <a14:hiddenFill xmlns:a14="http://schemas.microsoft.com/office/drawing/2010/main">
-                <a:solidFill>
-                  <a:srgbClr val="FFFFFF"/>
-                </a:solidFill>
-              </a14:hiddenFill>
-            </a:ext>
-          </a:extLst>
-        </p:spPr>
-      </p:pic>
       <p:sp>
         <p:nvSpPr>
           <p:cNvPr id="14" name="TextBox 13">
@@ -3783,7 +3696,7 @@
         <p:spPr>
           <a:xfrm>
             <a:off x="2074368" y="1959734"/>
-            <a:ext cx="7581691" cy="369332"/>
+            <a:ext cx="8343118" cy="369332"/>
           </a:xfrm>
           <a:prstGeom prst="rect">
             <a:avLst/>
@@ -3798,7 +3711,7 @@
           <a:p>
             <a:r>
               <a:rPr lang="pt-BR" dirty="0"/>
-              <a:t>CSV data		Jupyter Notebook		SQLite		Metabase</a:t>
+              <a:t>CSV data		Jupyter Notebook		SQLite		RShiny Dashboard</a:t>
             </a:r>
           </a:p>
         </p:txBody>
@@ -3817,7 +3730,7 @@
         </p:nvSpPr>
         <p:spPr>
           <a:xfrm>
-            <a:off x="1850695" y="6038122"/>
+            <a:off x="1762584" y="6010109"/>
             <a:ext cx="8966685" cy="369332"/>
           </a:xfrm>
           <a:prstGeom prst="rect">
@@ -3833,7 +3746,7 @@
           <a:p>
             <a:r>
               <a:rPr lang="pt-BR" dirty="0"/>
-              <a:t>AWS S3 (Storage)	      AWS EC2 (Server)          AWS RDS/PostgreSQL          Metabase</a:t>
+              <a:t>AWS S3 (Storage)	      AWS EC2 (Server)          AWS RDS/PostgreSQL          RShiny Dashboard</a:t>
             </a:r>
           </a:p>
         </p:txBody>
@@ -3852,8 +3765,8 @@
         </p:nvSpPr>
         <p:spPr>
           <a:xfrm>
-            <a:off x="5621005" y="2044458"/>
-            <a:ext cx="1168910" cy="577081"/>
+            <a:off x="9083544" y="4313216"/>
+            <a:ext cx="1055097" cy="577081"/>
           </a:xfrm>
           <a:prstGeom prst="rect">
             <a:avLst/>
@@ -3861,26 +3774,20 @@
           <a:noFill/>
         </p:spPr>
         <p:txBody>
-          <a:bodyPr wrap="none" rtlCol="0">
+          <a:bodyPr wrap="square" rtlCol="0">
             <a:spAutoFit/>
           </a:bodyPr>
           <a:lstStyle/>
           <a:p>
             <a:r>
               <a:rPr lang="pt-BR" sz="1050" dirty="0"/>
-              <a:t>Local tests with </a:t>
+              <a:t>Web App Containerized</a:t>
             </a:r>
           </a:p>
           <a:p>
             <a:r>
               <a:rPr lang="pt-BR" sz="1050" dirty="0"/>
-              <a:t>Docker Container </a:t>
-            </a:r>
-          </a:p>
-          <a:p>
-            <a:r>
-              <a:rPr lang="pt-BR" sz="1050" dirty="0"/>
-              <a:t>Image</a:t>
+              <a:t>with Docker</a:t>
             </a:r>
           </a:p>
         </p:txBody>
@@ -4540,7 +4447,7 @@
           <p:nvPr/>
         </p:nvPicPr>
         <p:blipFill>
-          <a:blip r:embed="rId10">
+          <a:blip r:embed="rId9">
             <a:extLst>
               <a:ext uri="{28A0092B-C50C-407E-A947-70E740481C1C}">
                 <a14:useLocalDpi xmlns:a14="http://schemas.microsoft.com/office/drawing/2010/main" val="0"/>
@@ -4556,6 +4463,100 @@
           <a:xfrm>
             <a:off x="2062380" y="4829330"/>
             <a:ext cx="989853" cy="1184533"/>
+          </a:xfrm>
+          <a:prstGeom prst="rect">
+            <a:avLst/>
+          </a:prstGeom>
+          <a:noFill/>
+          <a:extLst>
+            <a:ext uri="{909E8E84-426E-40DD-AFC4-6F175D3DCCD1}">
+              <a14:hiddenFill xmlns:a14="http://schemas.microsoft.com/office/drawing/2010/main">
+                <a:solidFill>
+                  <a:srgbClr val="FFFFFF"/>
+                </a:solidFill>
+              </a14:hiddenFill>
+            </a:ext>
+          </a:extLst>
+        </p:spPr>
+      </p:pic>
+      <p:pic>
+        <p:nvPicPr>
+          <p:cNvPr id="9" name="Picture 2" descr="Shiny | Data Visualization Using Shiny App In R">
+            <a:extLst>
+              <a:ext uri="{FF2B5EF4-FFF2-40B4-BE49-F238E27FC236}">
+                <a16:creationId xmlns:a16="http://schemas.microsoft.com/office/drawing/2014/main" id="{255B68E2-1B3E-4AEE-A0C0-8F7EB29F7C66}"/>
+              </a:ext>
+            </a:extLst>
+          </p:cNvPr>
+          <p:cNvPicPr>
+            <a:picLocks noChangeAspect="1" noChangeArrowheads="1"/>
+          </p:cNvPicPr>
+          <p:nvPr/>
+        </p:nvPicPr>
+        <p:blipFill>
+          <a:blip r:embed="rId10">
+            <a:extLst>
+              <a:ext uri="{28A0092B-C50C-407E-A947-70E740481C1C}">
+                <a14:useLocalDpi xmlns:a14="http://schemas.microsoft.com/office/drawing/2010/main" val="0"/>
+              </a:ext>
+            </a:extLst>
+          </a:blip>
+          <a:srcRect/>
+          <a:stretch>
+            <a:fillRect/>
+          </a:stretch>
+        </p:blipFill>
+        <p:spPr bwMode="auto">
+          <a:xfrm>
+            <a:off x="8607976" y="786786"/>
+            <a:ext cx="1445288" cy="928767"/>
+          </a:xfrm>
+          <a:prstGeom prst="rect">
+            <a:avLst/>
+          </a:prstGeom>
+          <a:noFill/>
+          <a:extLst>
+            <a:ext uri="{909E8E84-426E-40DD-AFC4-6F175D3DCCD1}">
+              <a14:hiddenFill xmlns:a14="http://schemas.microsoft.com/office/drawing/2010/main">
+                <a:solidFill>
+                  <a:srgbClr val="FFFFFF"/>
+                </a:solidFill>
+              </a14:hiddenFill>
+            </a:ext>
+          </a:extLst>
+        </p:spPr>
+      </p:pic>
+      <p:pic>
+        <p:nvPicPr>
+          <p:cNvPr id="18" name="Picture 2" descr="Shiny | Data Visualization Using Shiny App In R">
+            <a:extLst>
+              <a:ext uri="{FF2B5EF4-FFF2-40B4-BE49-F238E27FC236}">
+                <a16:creationId xmlns:a16="http://schemas.microsoft.com/office/drawing/2014/main" id="{F1E67658-12FA-11A1-94B4-2F9AF26BDE8F}"/>
+              </a:ext>
+            </a:extLst>
+          </p:cNvPr>
+          <p:cNvPicPr>
+            <a:picLocks noChangeAspect="1" noChangeArrowheads="1"/>
+          </p:cNvPicPr>
+          <p:nvPr/>
+        </p:nvPicPr>
+        <p:blipFill>
+          <a:blip r:embed="rId10">
+            <a:extLst>
+              <a:ext uri="{28A0092B-C50C-407E-A947-70E740481C1C}">
+                <a14:useLocalDpi xmlns:a14="http://schemas.microsoft.com/office/drawing/2010/main" val="0"/>
+              </a:ext>
+            </a:extLst>
+          </a:blip>
+          <a:srcRect/>
+          <a:stretch>
+            <a:fillRect/>
+          </a:stretch>
+        </p:blipFill>
+        <p:spPr bwMode="auto">
+          <a:xfrm>
+            <a:off x="8696102" y="4957212"/>
+            <a:ext cx="1445288" cy="928767"/>
           </a:xfrm>
           <a:prstGeom prst="rect">
             <a:avLst/>
